--- a/documents/strategy/digiramp.pptx
+++ b/documents/strategy/digiramp.pptx
@@ -5506,6 +5506,20 @@
             <a:r>
               <a:rPr lang="en-US" dirty="0" smtClean="0"/>
               <a:t>DigiRAMP take a rake on transactions</a:t>
+            </a:r>
+          </a:p>
+          <a:p>
+            <a:r>
+              <a:rPr lang="en-US" dirty="0" smtClean="0"/>
+              <a:t>4</a:t>
+            </a:r>
+            <a:r>
+              <a:rPr lang="en-US" smtClean="0"/>
+              <a:t>% credit card </a:t>
+            </a:r>
+            <a:r>
+              <a:rPr lang="en-US" dirty="0" smtClean="0"/>
+              <a:t>fee</a:t>
             </a:r>
             <a:endParaRPr lang="en-US" dirty="0"/>
           </a:p>
